--- a/design-slides.pptx
+++ b/design-slides.pptx
@@ -196,13 +196,13 @@
             <p14:sldId id="256"/>
           </p14:sldIdLst>
         </p14:section>
-        <p14:section name="Цели проектирования 2м" id="{CFBF15DB-AD19-4A22-8925-BFE19CDD8985}">
+        <p14:section name="Цели проектирования 5м" id="{CFBF15DB-AD19-4A22-8925-BFE19CDD8985}">
           <p14:sldIdLst>
             <p14:sldId id="258"/>
             <p14:sldId id="260"/>
           </p14:sldIdLst>
         </p14:section>
-        <p14:section name="Fluent Interface 13м + 30м" id="{1F3C0A3C-BB04-4882-8853-81F3B2467B0F}">
+        <p14:section name="Fluent Interface 20м + 30м" id="{1F3C0A3C-BB04-4882-8853-81F3B2467B0F}">
           <p14:sldIdLst>
             <p14:sldId id="266"/>
             <p14:sldId id="257"/>
@@ -239,7 +239,7 @@
             <p14:sldId id="386"/>
           </p14:sldIdLst>
         </p14:section>
-        <p14:section name="using 10м + 20м" id="{273C0022-A200-4FAE-A222-8CFE1B41C32D}">
+        <p14:section name="using 15м + 20м" id="{273C0022-A200-4FAE-A222-8CFE1B41C32D}">
           <p14:sldIdLst>
             <p14:sldId id="325"/>
             <p14:sldId id="368"/>
@@ -412,7 +412,7 @@
           <a:p>
             <a:fld id="{1D12B38D-150E-44F0-AD67-CE4A0E7D73CD}" type="datetimeFigureOut">
               <a:rPr lang="ru-RU" smtClean="0"/>
-              <a:t>14.11.2015</a:t>
+              <a:t>20.11.2015</a:t>
             </a:fld>
             <a:endParaRPr lang="ru-RU"/>
           </a:p>
@@ -2190,7 +2190,7 @@
           <a:p>
             <a:fld id="{03713669-593F-460C-B61F-C43E6BD11A61}" type="datetimeFigureOut">
               <a:rPr lang="ru-RU" smtClean="0"/>
-              <a:t>14.11.2015</a:t>
+              <a:t>20.11.2015</a:t>
             </a:fld>
             <a:endParaRPr lang="ru-RU"/>
           </a:p>
@@ -2360,7 +2360,7 @@
           <a:p>
             <a:fld id="{03713669-593F-460C-B61F-C43E6BD11A61}" type="datetimeFigureOut">
               <a:rPr lang="ru-RU" smtClean="0"/>
-              <a:t>14.11.2015</a:t>
+              <a:t>20.11.2015</a:t>
             </a:fld>
             <a:endParaRPr lang="ru-RU"/>
           </a:p>
@@ -2540,7 +2540,7 @@
           <a:p>
             <a:fld id="{03713669-593F-460C-B61F-C43E6BD11A61}" type="datetimeFigureOut">
               <a:rPr lang="ru-RU" smtClean="0"/>
-              <a:t>14.11.2015</a:t>
+              <a:t>20.11.2015</a:t>
             </a:fld>
             <a:endParaRPr lang="ru-RU"/>
           </a:p>
@@ -2710,7 +2710,7 @@
           <a:p>
             <a:fld id="{03713669-593F-460C-B61F-C43E6BD11A61}" type="datetimeFigureOut">
               <a:rPr lang="ru-RU" smtClean="0"/>
-              <a:t>14.11.2015</a:t>
+              <a:t>20.11.2015</a:t>
             </a:fld>
             <a:endParaRPr lang="ru-RU"/>
           </a:p>
@@ -2954,7 +2954,7 @@
           <a:p>
             <a:fld id="{03713669-593F-460C-B61F-C43E6BD11A61}" type="datetimeFigureOut">
               <a:rPr lang="ru-RU" smtClean="0"/>
-              <a:t>14.11.2015</a:t>
+              <a:t>20.11.2015</a:t>
             </a:fld>
             <a:endParaRPr lang="ru-RU"/>
           </a:p>
@@ -3186,7 +3186,7 @@
           <a:p>
             <a:fld id="{03713669-593F-460C-B61F-C43E6BD11A61}" type="datetimeFigureOut">
               <a:rPr lang="ru-RU" smtClean="0"/>
-              <a:t>14.11.2015</a:t>
+              <a:t>20.11.2015</a:t>
             </a:fld>
             <a:endParaRPr lang="ru-RU"/>
           </a:p>
@@ -3553,7 +3553,7 @@
           <a:p>
             <a:fld id="{03713669-593F-460C-B61F-C43E6BD11A61}" type="datetimeFigureOut">
               <a:rPr lang="ru-RU" smtClean="0"/>
-              <a:t>14.11.2015</a:t>
+              <a:t>20.11.2015</a:t>
             </a:fld>
             <a:endParaRPr lang="ru-RU"/>
           </a:p>
@@ -3671,7 +3671,7 @@
           <a:p>
             <a:fld id="{03713669-593F-460C-B61F-C43E6BD11A61}" type="datetimeFigureOut">
               <a:rPr lang="ru-RU" smtClean="0"/>
-              <a:t>14.11.2015</a:t>
+              <a:t>20.11.2015</a:t>
             </a:fld>
             <a:endParaRPr lang="ru-RU"/>
           </a:p>
@@ -3766,7 +3766,7 @@
           <a:p>
             <a:fld id="{03713669-593F-460C-B61F-C43E6BD11A61}" type="datetimeFigureOut">
               <a:rPr lang="ru-RU" smtClean="0"/>
-              <a:t>14.11.2015</a:t>
+              <a:t>20.11.2015</a:t>
             </a:fld>
             <a:endParaRPr lang="ru-RU"/>
           </a:p>
@@ -4043,7 +4043,7 @@
           <a:p>
             <a:fld id="{03713669-593F-460C-B61F-C43E6BD11A61}" type="datetimeFigureOut">
               <a:rPr lang="ru-RU" smtClean="0"/>
-              <a:t>14.11.2015</a:t>
+              <a:t>20.11.2015</a:t>
             </a:fld>
             <a:endParaRPr lang="ru-RU"/>
           </a:p>
@@ -4300,7 +4300,7 @@
           <a:p>
             <a:fld id="{03713669-593F-460C-B61F-C43E6BD11A61}" type="datetimeFigureOut">
               <a:rPr lang="ru-RU" smtClean="0"/>
-              <a:t>14.11.2015</a:t>
+              <a:t>20.11.2015</a:t>
             </a:fld>
             <a:endParaRPr lang="ru-RU"/>
           </a:p>
@@ -4513,7 +4513,7 @@
           <a:p>
             <a:fld id="{03713669-593F-460C-B61F-C43E6BD11A61}" type="datetimeFigureOut">
               <a:rPr lang="ru-RU" smtClean="0"/>
-              <a:t>14.11.2015</a:t>
+              <a:t>20.11.2015</a:t>
             </a:fld>
             <a:endParaRPr lang="ru-RU"/>
           </a:p>
@@ -4957,8 +4957,12 @@
           <a:lstStyle/>
           <a:p>
             <a:r>
+              <a:rPr lang="en-US" dirty="0" err="1" smtClean="0"/>
+              <a:t>github</a:t>
+            </a:r>
+            <a:r>
               <a:rPr lang="en-US" smtClean="0"/>
-              <a:t>03-Design/design.sln</a:t>
+              <a:t>: 03-Design/design.sln</a:t>
             </a:r>
             <a:endParaRPr lang="ru-RU" dirty="0"/>
           </a:p>
@@ -9144,6 +9148,13 @@
       <p:transition spd="slow"/>
     </mc:Fallback>
   </mc:AlternateContent>
+  <p:timing>
+    <p:tnLst>
+      <p:par>
+        <p:cTn id="1" dur="indefinite" restart="never" nodeType="tmRoot"/>
+      </p:par>
+    </p:tnLst>
+  </p:timing>
 </p:sld>
 </file>
 
@@ -20178,6 +20189,13 @@
   <p:clrMapOvr>
     <a:masterClrMapping/>
   </p:clrMapOvr>
+  <p:timing>
+    <p:tnLst>
+      <p:par>
+        <p:cTn id="1" dur="indefinite" restart="never" nodeType="tmRoot"/>
+      </p:par>
+    </p:tnLst>
+  </p:timing>
 </p:sld>
 </file>
 
@@ -20275,6 +20293,13 @@
   <p:clrMapOvr>
     <a:masterClrMapping/>
   </p:clrMapOvr>
+  <p:timing>
+    <p:tnLst>
+      <p:par>
+        <p:cTn id="1" dur="indefinite" restart="never" nodeType="tmRoot"/>
+      </p:par>
+    </p:tnLst>
+  </p:timing>
 </p:sld>
 </file>
 
@@ -20413,6 +20438,13 @@
   <p:clrMapOvr>
     <a:masterClrMapping/>
   </p:clrMapOvr>
+  <p:timing>
+    <p:tnLst>
+      <p:par>
+        <p:cTn id="1" dur="indefinite" restart="never" nodeType="tmRoot"/>
+      </p:par>
+    </p:tnLst>
+  </p:timing>
 </p:sld>
 </file>
 
@@ -21185,7 +21217,26 @@
                 <a:latin typeface="Consolas" panose="020B0609020204030204" pitchFamily="49" charset="0"/>
                 <a:cs typeface="Consolas" panose="020B0609020204030204" pitchFamily="49" charset="0"/>
               </a:rPr>
-              <a:t>class One : </a:t>
+              <a:t>class Program</a:t>
+            </a:r>
+          </a:p>
+          <a:p>
+            <a:pPr marL="0" indent="0">
+              <a:buNone/>
+            </a:pPr>
+            <a:r>
+              <a:rPr lang="en-US" dirty="0" smtClean="0">
+                <a:latin typeface="Consolas" panose="020B0609020204030204" pitchFamily="49" charset="0"/>
+                <a:cs typeface="Consolas" panose="020B0609020204030204" pitchFamily="49" charset="0"/>
+              </a:rPr>
+              <a:t>class </a:t>
+            </a:r>
+            <a:r>
+              <a:rPr lang="en-US" dirty="0">
+                <a:latin typeface="Consolas" panose="020B0609020204030204" pitchFamily="49" charset="0"/>
+                <a:cs typeface="Consolas" panose="020B0609020204030204" pitchFamily="49" charset="0"/>
+              </a:rPr>
+              <a:t>One : </a:t>
             </a:r>
             <a:r>
               <a:rPr lang="en-US" dirty="0" err="1">
@@ -21225,7 +21276,7 @@
               <a:t>: </a:t>
             </a:r>
             <a:r>
-              <a:rPr lang="en-US" dirty="0" err="1">
+              <a:rPr lang="en-US" dirty="0" err="1" smtClean="0">
                 <a:latin typeface="Consolas" panose="020B0609020204030204" pitchFamily="49" charset="0"/>
                 <a:cs typeface="Consolas" panose="020B0609020204030204" pitchFamily="49" charset="0"/>
               </a:rPr>
@@ -21235,18 +21286,6 @@
               <a:latin typeface="Consolas" panose="020B0609020204030204" pitchFamily="49" charset="0"/>
               <a:cs typeface="Consolas" panose="020B0609020204030204" pitchFamily="49" charset="0"/>
             </a:endParaRPr>
-          </a:p>
-          <a:p>
-            <a:pPr marL="0" indent="0">
-              <a:buNone/>
-            </a:pPr>
-            <a:r>
-              <a:rPr lang="en-US" dirty="0" smtClean="0">
-                <a:latin typeface="Consolas" panose="020B0609020204030204" pitchFamily="49" charset="0"/>
-                <a:cs typeface="Consolas" panose="020B0609020204030204" pitchFamily="49" charset="0"/>
-              </a:rPr>
-              <a:t>class Program</a:t>
-            </a:r>
           </a:p>
         </p:txBody>
       </p:sp>
@@ -23509,22 +23548,14 @@
           <a:p>
             <a:r>
               <a:rPr lang="ru-RU" sz="3600" dirty="0" smtClean="0"/>
-              <a:t>Другие </a:t>
-            </a:r>
-            <a:r>
-              <a:rPr lang="ru-RU" sz="3600" dirty="0" smtClean="0"/>
-              <a:t>сервисы</a:t>
+              <a:t>Другие сервисы</a:t>
             </a:r>
             <a:endParaRPr lang="en-US" sz="3600" dirty="0" smtClean="0"/>
           </a:p>
           <a:p>
             <a:r>
               <a:rPr lang="ru-RU" sz="3200" dirty="0" smtClean="0"/>
-              <a:t>Формат </a:t>
-            </a:r>
-            <a:r>
-              <a:rPr lang="ru-RU" sz="3200" dirty="0" smtClean="0"/>
-              <a:t>файла</a:t>
+              <a:t>Формат файла</a:t>
             </a:r>
           </a:p>
           <a:p>
@@ -30344,6 +30375,13 @@
   <p:clrMapOvr>
     <a:masterClrMapping/>
   </p:clrMapOvr>
+  <p:timing>
+    <p:tnLst>
+      <p:par>
+        <p:cTn id="1" dur="indefinite" restart="never" nodeType="tmRoot"/>
+      </p:par>
+    </p:tnLst>
+  </p:timing>
 </p:sld>
 </file>
 
@@ -32558,93 +32596,39 @@
               <a:buAutoNum type="arabicPeriod"/>
             </a:pPr>
             <a:r>
-              <a:rPr lang="ru-RU" dirty="0" smtClean="0">
-                <a:solidFill>
-                  <a:schemeClr val="bg1">
-                    <a:lumMod val="65000"/>
-                  </a:schemeClr>
-                </a:solidFill>
-              </a:rPr>
+              <a:rPr lang="ru-RU" dirty="0"/>
               <a:t>Внедрить </a:t>
             </a:r>
             <a:r>
-              <a:rPr lang="ru-RU" dirty="0" err="1">
-                <a:solidFill>
-                  <a:schemeClr val="bg1">
-                    <a:lumMod val="65000"/>
-                  </a:schemeClr>
-                </a:solidFill>
-              </a:rPr>
+              <a:rPr lang="ru-RU" dirty="0" err="1"/>
               <a:t>Ninject</a:t>
             </a:r>
             <a:r>
-              <a:rPr lang="ru-RU" dirty="0">
-                <a:solidFill>
-                  <a:schemeClr val="bg1">
-                    <a:lumMod val="65000"/>
-                  </a:schemeClr>
-                </a:solidFill>
-              </a:rPr>
+              <a:rPr lang="ru-RU" dirty="0"/>
               <a:t> </a:t>
             </a:r>
             <a:r>
-              <a:rPr lang="ru-RU" dirty="0" err="1">
-                <a:solidFill>
-                  <a:schemeClr val="bg1">
-                    <a:lumMod val="65000"/>
-                  </a:schemeClr>
-                </a:solidFill>
-              </a:rPr>
+              <a:rPr lang="ru-RU" dirty="0" err="1"/>
               <a:t>container</a:t>
             </a:r>
             <a:r>
-              <a:rPr lang="ru-RU" dirty="0">
-                <a:solidFill>
-                  <a:schemeClr val="bg1">
-                    <a:lumMod val="65000"/>
-                  </a:schemeClr>
-                </a:solidFill>
-              </a:rPr>
+              <a:rPr lang="ru-RU" dirty="0"/>
               <a:t> для создания </a:t>
             </a:r>
             <a:r>
-              <a:rPr lang="ru-RU" dirty="0" err="1">
-                <a:solidFill>
-                  <a:schemeClr val="bg1">
-                    <a:lumMod val="65000"/>
-                  </a:schemeClr>
-                </a:solidFill>
-              </a:rPr>
+              <a:rPr lang="ru-RU" dirty="0" err="1"/>
               <a:t>Program</a:t>
             </a:r>
             <a:r>
-              <a:rPr lang="ru-RU" dirty="0">
-                <a:solidFill>
-                  <a:schemeClr val="bg1">
-                    <a:lumMod val="65000"/>
-                  </a:schemeClr>
-                </a:solidFill>
-              </a:rPr>
+              <a:rPr lang="ru-RU" dirty="0"/>
               <a:t>. (см. метод </a:t>
             </a:r>
             <a:r>
-              <a:rPr lang="ru-RU" dirty="0" err="1">
-                <a:solidFill>
-                  <a:schemeClr val="bg1">
-                    <a:lumMod val="65000"/>
-                  </a:schemeClr>
-                </a:solidFill>
-              </a:rPr>
+              <a:rPr lang="ru-RU" dirty="0" err="1"/>
               <a:t>Program.Main</a:t>
             </a:r>
             <a:r>
-              <a:rPr lang="ru-RU" dirty="0">
-                <a:solidFill>
-                  <a:schemeClr val="bg1">
-                    <a:lumMod val="65000"/>
-                  </a:schemeClr>
-                </a:solidFill>
-              </a:rPr>
+              <a:rPr lang="ru-RU" dirty="0"/>
               <a:t>)</a:t>
             </a:r>
           </a:p>
@@ -32654,53 +32638,23 @@
               <a:buAutoNum type="arabicPeriod"/>
             </a:pPr>
             <a:r>
-              <a:rPr lang="ru-RU" dirty="0">
-                <a:solidFill>
-                  <a:schemeClr val="bg1">
-                    <a:lumMod val="65000"/>
-                  </a:schemeClr>
-                </a:solidFill>
-              </a:rPr>
+              <a:rPr lang="ru-RU" dirty="0"/>
               <a:t>Сделать явной зависимость от </a:t>
             </a:r>
             <a:r>
-              <a:rPr lang="ru-RU" dirty="0" err="1">
-                <a:solidFill>
-                  <a:schemeClr val="bg1">
-                    <a:lumMod val="65000"/>
-                  </a:schemeClr>
-                </a:solidFill>
-              </a:rPr>
+              <a:rPr lang="ru-RU" dirty="0" err="1"/>
               <a:t>TextWriter</a:t>
             </a:r>
             <a:r>
-              <a:rPr lang="ru-RU" dirty="0">
-                <a:solidFill>
-                  <a:schemeClr val="bg1">
-                    <a:lumMod val="65000"/>
-                  </a:schemeClr>
-                </a:solidFill>
-              </a:rPr>
+              <a:rPr lang="ru-RU" dirty="0"/>
               <a:t> и использовать его, вместо консоли и в командах и в </a:t>
             </a:r>
             <a:r>
-              <a:rPr lang="ru-RU" dirty="0" err="1">
-                <a:solidFill>
-                  <a:schemeClr val="bg1">
-                    <a:lumMod val="65000"/>
-                  </a:schemeClr>
-                </a:solidFill>
-              </a:rPr>
+              <a:rPr lang="ru-RU" dirty="0" err="1"/>
               <a:t>Program</a:t>
             </a:r>
             <a:r>
-              <a:rPr lang="ru-RU" dirty="0">
-                <a:solidFill>
-                  <a:schemeClr val="bg1">
-                    <a:lumMod val="65000"/>
-                  </a:schemeClr>
-                </a:solidFill>
-              </a:rPr>
+              <a:rPr lang="ru-RU" dirty="0"/>
               <a:t>.</a:t>
             </a:r>
           </a:p>
